--- a/KhaiPhaDuLieu/KPDL_N04_Nhom06_C1.pptx
+++ b/KhaiPhaDuLieu/KPDL_N04_Nhom06_C1.pptx
@@ -397,7 +397,7 @@
                     <a:cs typeface="+mn-cs"/>
                   </a:defRPr>
                 </a:pPr>
-                <a:endParaRPr lang="vi-VN"/>
+                <a:endParaRPr lang="en-US"/>
               </a:p>
             </c:txPr>
             <c:showLegendKey val="0"/>
@@ -409,7 +409,6 @@
             <c:showLeaderLines val="0"/>
             <c:extLst>
               <c:ext xmlns:c15="http://schemas.microsoft.com/office/drawing/2012/chart" uri="{CE6537A1-D6FC-4f65-9D91-7224C49458BB}">
-                <c15:layout/>
                 <c15:showLeaderLines val="1"/>
                 <c15:leaderLines>
                   <c:spPr>
@@ -545,7 +544,7 @@
                 <a:cs typeface="+mn-cs"/>
               </a:defRPr>
             </a:pPr>
-            <a:endParaRPr lang="vi-VN"/>
+            <a:endParaRPr lang="en-US"/>
           </a:p>
         </c:txPr>
         <c:crossAx val="112957823"/>
@@ -604,7 +603,7 @@
                 <a:cs typeface="+mn-cs"/>
               </a:defRPr>
             </a:pPr>
-            <a:endParaRPr lang="vi-VN"/>
+            <a:endParaRPr lang="en-US"/>
           </a:p>
         </c:txPr>
         <c:crossAx val="112974047"/>
@@ -621,7 +620,6 @@
     </c:plotArea>
     <c:legend>
       <c:legendPos val="r"/>
-      <c:layout/>
       <c:overlay val="0"/>
       <c:spPr>
         <a:noFill/>
@@ -647,7 +645,7 @@
               <a:cs typeface="+mn-cs"/>
             </a:defRPr>
           </a:pPr>
-          <a:endParaRPr lang="vi-VN"/>
+          <a:endParaRPr lang="en-US"/>
         </a:p>
       </c:txPr>
     </c:legend>
@@ -676,7 +674,7 @@
       <a:pPr>
         <a:defRPr/>
       </a:pPr>
-      <a:endParaRPr lang="vi-VN"/>
+      <a:endParaRPr lang="en-US"/>
     </a:p>
   </c:txPr>
   <c:externalData r:id="rId3">
@@ -1338,7 +1336,7 @@
           <a:p>
             <a:fld id="{0DD51EFA-6533-45C3-8394-23FFC04F750D}" type="datetimeFigureOut">
               <a:rPr lang="en-US" smtClean="0"/>
-              <a:t>10/7/2022</a:t>
+              <a:t>8/21/2023</a:t>
             </a:fld>
             <a:endParaRPr lang="en-US" dirty="0"/>
           </a:p>
@@ -1515,7 +1513,7 @@
           <a:p>
             <a:fld id="{B7B4C180-10CF-422C-B717-65F1B78C7EB7}" type="datetimeFigureOut">
               <a:rPr lang="en-US" noProof="0" smtClean="0"/>
-              <a:t>10/7/2022</a:t>
+              <a:t>8/21/2023</a:t>
             </a:fld>
             <a:endParaRPr lang="en-US" noProof="0" dirty="0"/>
           </a:p>
@@ -19027,7 +19025,7 @@
                 <a16:creationId xmlns:a16="http://schemas.microsoft.com/office/drawing/2014/main" id="{E93CFE69-79B0-440B-949E-DA17AD834A10}"/>
               </a:ext>
               <a:ext uri="{C183D7F6-B498-43B3-948B-1728B52AA6E4}">
-                <adec:decorative xmlns:adec="http://schemas.microsoft.com/office/drawing/2017/decorative" xmlns="" val="1"/>
+                <adec:decorative xmlns="" xmlns:adec="http://schemas.microsoft.com/office/drawing/2017/decorative" val="1"/>
               </a:ext>
             </a:extLst>
           </p:cNvPr>
@@ -19233,7 +19231,7 @@
                 <a16:creationId xmlns:a16="http://schemas.microsoft.com/office/drawing/2014/main" id="{F3753AF9-461F-4049-BB9D-621E76A51470}"/>
               </a:ext>
               <a:ext uri="{C183D7F6-B498-43B3-948B-1728B52AA6E4}">
-                <adec:decorative xmlns:adec="http://schemas.microsoft.com/office/drawing/2017/decorative" xmlns="" val="1"/>
+                <adec:decorative xmlns="" xmlns:adec="http://schemas.microsoft.com/office/drawing/2017/decorative" val="1"/>
               </a:ext>
             </a:extLst>
           </p:cNvPr>
@@ -19303,7 +19301,7 @@
                 <a14:useLocalDpi xmlns:a14="http://schemas.microsoft.com/office/drawing/2010/main"/>
               </a:ext>
               <a:ext uri="{96DAC541-7B7A-43D3-8B79-37D633B846F1}">
-                <asvg:svgBlip xmlns:asvg="http://schemas.microsoft.com/office/drawing/2016/SVG/main" xmlns="" r:embed="rId6"/>
+                <asvg:svgBlip xmlns="" xmlns:asvg="http://schemas.microsoft.com/office/drawing/2016/SVG/main" r:embed="rId6"/>
               </a:ext>
             </a:extLst>
           </a:blip>
@@ -19347,10 +19345,6 @@
           <a:bodyPr/>
           <a:lstStyle/>
           <a:p>
-            <a:r>
-              <a:rPr lang="en-US" sz="1400" smtClean="0"/>
-              <a:t>Bùi Văn Hùng</a:t>
-            </a:r>
             <a:endParaRPr lang="en-US" sz="1400" dirty="0"/>
           </a:p>
         </p:txBody>
@@ -19376,7 +19370,7 @@
                 <a14:useLocalDpi xmlns:a14="http://schemas.microsoft.com/office/drawing/2010/main"/>
               </a:ext>
               <a:ext uri="{96DAC541-7B7A-43D3-8B79-37D633B846F1}">
-                <asvg:svgBlip xmlns:asvg="http://schemas.microsoft.com/office/drawing/2016/SVG/main" xmlns="" r:embed="rId6"/>
+                <asvg:svgBlip xmlns="" xmlns:asvg="http://schemas.microsoft.com/office/drawing/2016/SVG/main" r:embed="rId6"/>
               </a:ext>
             </a:extLst>
           </a:blip>
@@ -19604,10 +19598,6 @@
             </a:lvl9pPr>
           </a:lstStyle>
           <a:p>
-            <a:r>
-              <a:rPr lang="en-US" smtClean="0"/>
-              <a:t>Nguyễn Thị Ngũ</a:t>
-            </a:r>
             <a:endParaRPr lang="en-US" dirty="0"/>
           </a:p>
         </p:txBody>
@@ -19633,7 +19623,7 @@
                 <a14:useLocalDpi xmlns:a14="http://schemas.microsoft.com/office/drawing/2010/main"/>
               </a:ext>
               <a:ext uri="{96DAC541-7B7A-43D3-8B79-37D633B846F1}">
-                <asvg:svgBlip xmlns:asvg="http://schemas.microsoft.com/office/drawing/2016/SVG/main" xmlns="" r:embed="rId6"/>
+                <asvg:svgBlip xmlns="" xmlns:asvg="http://schemas.microsoft.com/office/drawing/2016/SVG/main" r:embed="rId6"/>
               </a:ext>
             </a:extLst>
           </a:blip>
@@ -19861,10 +19851,6 @@
             </a:lvl9pPr>
           </a:lstStyle>
           <a:p>
-            <a:r>
-              <a:rPr lang="en-US" smtClean="0"/>
-              <a:t>Ngô Trung Hiếu</a:t>
-            </a:r>
             <a:endParaRPr lang="en-US" dirty="0"/>
           </a:p>
         </p:txBody>
@@ -19890,7 +19876,7 @@
                 <a14:useLocalDpi xmlns:a14="http://schemas.microsoft.com/office/drawing/2010/main"/>
               </a:ext>
               <a:ext uri="{96DAC541-7B7A-43D3-8B79-37D633B846F1}">
-                <asvg:svgBlip xmlns:asvg="http://schemas.microsoft.com/office/drawing/2016/SVG/main" xmlns="" r:embed="rId6"/>
+                <asvg:svgBlip xmlns="" xmlns:asvg="http://schemas.microsoft.com/office/drawing/2016/SVG/main" r:embed="rId6"/>
               </a:ext>
             </a:extLst>
           </a:blip>
@@ -20118,10 +20104,6 @@
             </a:lvl9pPr>
           </a:lstStyle>
           <a:p>
-            <a:r>
-              <a:rPr lang="en-US" smtClean="0"/>
-              <a:t>Đào Nhật Tân</a:t>
-            </a:r>
             <a:endParaRPr lang="en-US" dirty="0"/>
           </a:p>
         </p:txBody>
@@ -20147,7 +20129,7 @@
                 <a14:useLocalDpi xmlns:a14="http://schemas.microsoft.com/office/drawing/2010/main"/>
               </a:ext>
               <a:ext uri="{96DAC541-7B7A-43D3-8B79-37D633B846F1}">
-                <asvg:svgBlip xmlns:asvg="http://schemas.microsoft.com/office/drawing/2016/SVG/main" xmlns="" r:embed="rId6"/>
+                <asvg:svgBlip xmlns="" xmlns:asvg="http://schemas.microsoft.com/office/drawing/2016/SVG/main" r:embed="rId6"/>
               </a:ext>
             </a:extLst>
           </a:blip>
@@ -20375,10 +20357,6 @@
             </a:lvl9pPr>
           </a:lstStyle>
           <a:p>
-            <a:r>
-              <a:rPr lang="en-US" smtClean="0"/>
-              <a:t>Đoàn Huy Tuấn Hải</a:t>
-            </a:r>
             <a:endParaRPr lang="en-US" dirty="0"/>
           </a:p>
         </p:txBody>
@@ -20500,7 +20478,7 @@
                 <a16:creationId xmlns:a16="http://schemas.microsoft.com/office/drawing/2014/main" id="{3E48293B-B086-4048-863C-47E7C47880A1}"/>
               </a:ext>
               <a:ext uri="{C183D7F6-B498-43B3-948B-1728B52AA6E4}">
-                <adec:decorative xmlns:adec="http://schemas.microsoft.com/office/drawing/2017/decorative" xmlns="" val="1"/>
+                <adec:decorative xmlns="" xmlns:adec="http://schemas.microsoft.com/office/drawing/2017/decorative" val="1"/>
               </a:ext>
             </a:extLst>
           </p:cNvPr>
@@ -20570,7 +20548,7 @@
                 <a14:useLocalDpi xmlns:a14="http://schemas.microsoft.com/office/drawing/2010/main"/>
               </a:ext>
               <a:ext uri="{96DAC541-7B7A-43D3-8B79-37D633B846F1}">
-                <asvg:svgBlip xmlns:asvg="http://schemas.microsoft.com/office/drawing/2016/SVG/main" xmlns="" r:embed="rId5"/>
+                <asvg:svgBlip xmlns="" xmlns:asvg="http://schemas.microsoft.com/office/drawing/2016/SVG/main" r:embed="rId5"/>
               </a:ext>
             </a:extLst>
           </a:blip>
@@ -20912,7 +20890,7 @@
                 <a14:useLocalDpi xmlns:a14="http://schemas.microsoft.com/office/drawing/2010/main"/>
               </a:ext>
               <a:ext uri="{96DAC541-7B7A-43D3-8B79-37D633B846F1}">
-                <asvg:svgBlip xmlns:asvg="http://schemas.microsoft.com/office/drawing/2016/SVG/main" xmlns="" r:embed="rId5"/>
+                <asvg:svgBlip xmlns="" xmlns:asvg="http://schemas.microsoft.com/office/drawing/2016/SVG/main" r:embed="rId5"/>
               </a:ext>
             </a:extLst>
           </a:blip>
@@ -21434,7 +21412,7 @@
                 <a16:creationId xmlns:a16="http://schemas.microsoft.com/office/drawing/2014/main" id="{3E48293B-B086-4048-863C-47E7C47880A1}"/>
               </a:ext>
               <a:ext uri="{C183D7F6-B498-43B3-948B-1728B52AA6E4}">
-                <adec:decorative xmlns:adec="http://schemas.microsoft.com/office/drawing/2017/decorative" xmlns="" val="1"/>
+                <adec:decorative xmlns="" xmlns:adec="http://schemas.microsoft.com/office/drawing/2017/decorative" val="1"/>
               </a:ext>
             </a:extLst>
           </p:cNvPr>
@@ -21504,7 +21482,7 @@
                 <a14:useLocalDpi xmlns:a14="http://schemas.microsoft.com/office/drawing/2010/main"/>
               </a:ext>
               <a:ext uri="{96DAC541-7B7A-43D3-8B79-37D633B846F1}">
-                <asvg:svgBlip xmlns:asvg="http://schemas.microsoft.com/office/drawing/2016/SVG/main" xmlns="" r:embed="rId5"/>
+                <asvg:svgBlip xmlns="" xmlns:asvg="http://schemas.microsoft.com/office/drawing/2016/SVG/main" r:embed="rId5"/>
               </a:ext>
             </a:extLst>
           </a:blip>
@@ -21836,7 +21814,7 @@
                 <a14:useLocalDpi xmlns:a14="http://schemas.microsoft.com/office/drawing/2010/main"/>
               </a:ext>
               <a:ext uri="{96DAC541-7B7A-43D3-8B79-37D633B846F1}">
-                <asvg:svgBlip xmlns:asvg="http://schemas.microsoft.com/office/drawing/2016/SVG/main" xmlns="" r:embed="rId5"/>
+                <asvg:svgBlip xmlns="" xmlns:asvg="http://schemas.microsoft.com/office/drawing/2016/SVG/main" r:embed="rId5"/>
               </a:ext>
             </a:extLst>
           </a:blip>
@@ -21875,7 +21853,7 @@
                 <a14:useLocalDpi xmlns:a14="http://schemas.microsoft.com/office/drawing/2010/main"/>
               </a:ext>
               <a:ext uri="{96DAC541-7B7A-43D3-8B79-37D633B846F1}">
-                <asvg:svgBlip xmlns:asvg="http://schemas.microsoft.com/office/drawing/2016/SVG/main" xmlns="" r:embed="rId5"/>
+                <asvg:svgBlip xmlns="" xmlns:asvg="http://schemas.microsoft.com/office/drawing/2016/SVG/main" r:embed="rId5"/>
               </a:ext>
             </a:extLst>
           </a:blip>
@@ -22741,7 +22719,7 @@
                 <a16:creationId xmlns:a16="http://schemas.microsoft.com/office/drawing/2014/main" id="{A03BE848-3222-4622-8610-FFB9FFFD4138}"/>
               </a:ext>
               <a:ext uri="{C183D7F6-B498-43B3-948B-1728B52AA6E4}">
-                <adec:decorative xmlns:adec="http://schemas.microsoft.com/office/drawing/2017/decorative" xmlns="" val="1"/>
+                <adec:decorative xmlns="" xmlns:adec="http://schemas.microsoft.com/office/drawing/2017/decorative" val="1"/>
               </a:ext>
             </a:extLst>
           </p:cNvPr>
@@ -22837,7 +22815,7 @@
                 <a16:creationId xmlns:a16="http://schemas.microsoft.com/office/drawing/2014/main" id="{2BE6D00D-52E6-45D5-93DA-8687991C2967}"/>
               </a:ext>
               <a:ext uri="{C183D7F6-B498-43B3-948B-1728B52AA6E4}">
-                <adec:decorative xmlns:adec="http://schemas.microsoft.com/office/drawing/2017/decorative" xmlns="" val="1"/>
+                <adec:decorative xmlns="" xmlns:adec="http://schemas.microsoft.com/office/drawing/2017/decorative" val="1"/>
               </a:ext>
             </a:extLst>
           </p:cNvPr>
@@ -22933,7 +22911,7 @@
                 <a16:creationId xmlns:a16="http://schemas.microsoft.com/office/drawing/2014/main" id="{258409DB-08AB-499E-AEE2-60288B07CC14}"/>
               </a:ext>
               <a:ext uri="{C183D7F6-B498-43B3-948B-1728B52AA6E4}">
-                <adec:decorative xmlns:adec="http://schemas.microsoft.com/office/drawing/2017/decorative" xmlns="" val="1"/>
+                <adec:decorative xmlns="" xmlns:adec="http://schemas.microsoft.com/office/drawing/2017/decorative" val="1"/>
               </a:ext>
             </a:extLst>
           </p:cNvPr>
@@ -25331,7 +25309,7 @@
                 <a16:creationId xmlns:a16="http://schemas.microsoft.com/office/drawing/2014/main" id="{E93CFE69-79B0-440B-949E-DA17AD834A10}"/>
               </a:ext>
               <a:ext uri="{C183D7F6-B498-43B3-948B-1728B52AA6E4}">
-                <adec:decorative xmlns:adec="http://schemas.microsoft.com/office/drawing/2017/decorative" xmlns="" val="1"/>
+                <adec:decorative xmlns="" xmlns:adec="http://schemas.microsoft.com/office/drawing/2017/decorative" val="1"/>
               </a:ext>
             </a:extLst>
           </p:cNvPr>
@@ -25651,7 +25629,7 @@
                 <a16:creationId xmlns:a16="http://schemas.microsoft.com/office/drawing/2014/main" id="{A851B3CA-790D-465D-9B97-AA9876E357B9}"/>
               </a:ext>
               <a:ext uri="{C183D7F6-B498-43B3-948B-1728B52AA6E4}">
-                <adec:decorative xmlns:adec="http://schemas.microsoft.com/office/drawing/2017/decorative" xmlns="" val="1"/>
+                <adec:decorative xmlns="" xmlns:adec="http://schemas.microsoft.com/office/drawing/2017/decorative" val="1"/>
               </a:ext>
             </a:extLst>
           </p:cNvPr>
@@ -25813,7 +25791,7 @@
                 <a16:creationId xmlns:a16="http://schemas.microsoft.com/office/drawing/2014/main" id="{F3753AF9-461F-4049-BB9D-621E76A51470}"/>
               </a:ext>
               <a:ext uri="{C183D7F6-B498-43B3-948B-1728B52AA6E4}">
-                <adec:decorative xmlns:adec="http://schemas.microsoft.com/office/drawing/2017/decorative" xmlns="" val="1"/>
+                <adec:decorative xmlns="" xmlns:adec="http://schemas.microsoft.com/office/drawing/2017/decorative" val="1"/>
               </a:ext>
             </a:extLst>
           </p:cNvPr>
@@ -25883,7 +25861,7 @@
                 <a14:useLocalDpi xmlns:a14="http://schemas.microsoft.com/office/drawing/2010/main"/>
               </a:ext>
               <a:ext uri="{96DAC541-7B7A-43D3-8B79-37D633B846F1}">
-                <asvg:svgBlip xmlns:asvg="http://schemas.microsoft.com/office/drawing/2016/SVG/main" xmlns="" r:embed="rId5"/>
+                <asvg:svgBlip xmlns="" xmlns:asvg="http://schemas.microsoft.com/office/drawing/2016/SVG/main" r:embed="rId5"/>
               </a:ext>
             </a:extLst>
           </a:blip>
@@ -25956,7 +25934,7 @@
                 <a14:useLocalDpi xmlns:a14="http://schemas.microsoft.com/office/drawing/2010/main"/>
               </a:ext>
               <a:ext uri="{96DAC541-7B7A-43D3-8B79-37D633B846F1}">
-                <asvg:svgBlip xmlns:asvg="http://schemas.microsoft.com/office/drawing/2016/SVG/main" xmlns="" r:embed="rId5"/>
+                <asvg:svgBlip xmlns="" xmlns:asvg="http://schemas.microsoft.com/office/drawing/2016/SVG/main" r:embed="rId5"/>
               </a:ext>
             </a:extLst>
           </a:blip>
@@ -26213,7 +26191,7 @@
                 <a14:useLocalDpi xmlns:a14="http://schemas.microsoft.com/office/drawing/2010/main"/>
               </a:ext>
               <a:ext uri="{96DAC541-7B7A-43D3-8B79-37D633B846F1}">
-                <asvg:svgBlip xmlns:asvg="http://schemas.microsoft.com/office/drawing/2016/SVG/main" xmlns="" r:embed="rId5"/>
+                <asvg:svgBlip xmlns="" xmlns:asvg="http://schemas.microsoft.com/office/drawing/2016/SVG/main" r:embed="rId5"/>
               </a:ext>
             </a:extLst>
           </a:blip>
@@ -26470,7 +26448,7 @@
                 <a14:useLocalDpi xmlns:a14="http://schemas.microsoft.com/office/drawing/2010/main"/>
               </a:ext>
               <a:ext uri="{96DAC541-7B7A-43D3-8B79-37D633B846F1}">
-                <asvg:svgBlip xmlns:asvg="http://schemas.microsoft.com/office/drawing/2016/SVG/main" xmlns="" r:embed="rId5"/>
+                <asvg:svgBlip xmlns="" xmlns:asvg="http://schemas.microsoft.com/office/drawing/2016/SVG/main" r:embed="rId5"/>
               </a:ext>
             </a:extLst>
           </a:blip>
@@ -26727,7 +26705,7 @@
                 <a14:useLocalDpi xmlns:a14="http://schemas.microsoft.com/office/drawing/2010/main"/>
               </a:ext>
               <a:ext uri="{96DAC541-7B7A-43D3-8B79-37D633B846F1}">
-                <asvg:svgBlip xmlns:asvg="http://schemas.microsoft.com/office/drawing/2016/SVG/main" xmlns="" r:embed="rId5"/>
+                <asvg:svgBlip xmlns="" xmlns:asvg="http://schemas.microsoft.com/office/drawing/2016/SVG/main" r:embed="rId5"/>
               </a:ext>
             </a:extLst>
           </a:blip>
@@ -27008,7 +26986,7 @@
                 <a16:creationId xmlns:a16="http://schemas.microsoft.com/office/drawing/2014/main" id="{E93CFE69-79B0-440B-949E-DA17AD834A10}"/>
               </a:ext>
               <a:ext uri="{C183D7F6-B498-43B3-948B-1728B52AA6E4}">
-                <adec:decorative xmlns:adec="http://schemas.microsoft.com/office/drawing/2017/decorative" xmlns="" val="1"/>
+                <adec:decorative xmlns="" xmlns:adec="http://schemas.microsoft.com/office/drawing/2017/decorative" val="1"/>
               </a:ext>
             </a:extLst>
           </p:cNvPr>
@@ -27113,7 +27091,7 @@
                 <a16:creationId xmlns:a16="http://schemas.microsoft.com/office/drawing/2014/main" id="{BBE1F329-A8D2-4C03-9053-8D69618651CB}"/>
               </a:ext>
               <a:ext uri="{C183D7F6-B498-43B3-948B-1728B52AA6E4}">
-                <adec:decorative xmlns:adec="http://schemas.microsoft.com/office/drawing/2017/decorative" xmlns="" val="1"/>
+                <adec:decorative xmlns="" xmlns:adec="http://schemas.microsoft.com/office/drawing/2017/decorative" val="1"/>
               </a:ext>
             </a:extLst>
           </p:cNvPr>
@@ -27205,7 +27183,7 @@
                 <a16:creationId xmlns:a16="http://schemas.microsoft.com/office/drawing/2014/main" id="{AFD09076-D1F6-4F08-8939-1F1577E5A1AC}"/>
               </a:ext>
               <a:ext uri="{C183D7F6-B498-43B3-948B-1728B52AA6E4}">
-                <adec:decorative xmlns:adec="http://schemas.microsoft.com/office/drawing/2017/decorative" xmlns="" val="1"/>
+                <adec:decorative xmlns="" xmlns:adec="http://schemas.microsoft.com/office/drawing/2017/decorative" val="1"/>
               </a:ext>
             </a:extLst>
           </p:cNvPr>
@@ -28494,7 +28472,7 @@
                 <a16:creationId xmlns:a16="http://schemas.microsoft.com/office/drawing/2014/main" id="{BBE1F329-A8D2-4C03-9053-8D69618651CB}"/>
               </a:ext>
               <a:ext uri="{C183D7F6-B498-43B3-948B-1728B52AA6E4}">
-                <adec:decorative xmlns:adec="http://schemas.microsoft.com/office/drawing/2017/decorative" xmlns="" val="1"/>
+                <adec:decorative xmlns="" xmlns:adec="http://schemas.microsoft.com/office/drawing/2017/decorative" val="1"/>
               </a:ext>
             </a:extLst>
           </p:cNvPr>
@@ -28538,7 +28516,7 @@
                 <a16:creationId xmlns:a16="http://schemas.microsoft.com/office/drawing/2014/main" id="{AFD09076-D1F6-4F08-8939-1F1577E5A1AC}"/>
               </a:ext>
               <a:ext uri="{C183D7F6-B498-43B3-948B-1728B52AA6E4}">
-                <adec:decorative xmlns:adec="http://schemas.microsoft.com/office/drawing/2017/decorative" xmlns="" val="1"/>
+                <adec:decorative xmlns="" xmlns:adec="http://schemas.microsoft.com/office/drawing/2017/decorative" val="1"/>
               </a:ext>
             </a:extLst>
           </p:cNvPr>
@@ -29682,7 +29660,7 @@
                 <a16:creationId xmlns:a16="http://schemas.microsoft.com/office/drawing/2014/main" id="{BBE1F329-A8D2-4C03-9053-8D69618651CB}"/>
               </a:ext>
               <a:ext uri="{C183D7F6-B498-43B3-948B-1728B52AA6E4}">
-                <adec:decorative xmlns:adec="http://schemas.microsoft.com/office/drawing/2017/decorative" xmlns="" val="1"/>
+                <adec:decorative xmlns="" xmlns:adec="http://schemas.microsoft.com/office/drawing/2017/decorative" val="1"/>
               </a:ext>
             </a:extLst>
           </p:cNvPr>
@@ -29726,7 +29704,7 @@
                 <a16:creationId xmlns:a16="http://schemas.microsoft.com/office/drawing/2014/main" id="{AFD09076-D1F6-4F08-8939-1F1577E5A1AC}"/>
               </a:ext>
               <a:ext uri="{C183D7F6-B498-43B3-948B-1728B52AA6E4}">
-                <adec:decorative xmlns:adec="http://schemas.microsoft.com/office/drawing/2017/decorative" xmlns="" val="1"/>
+                <adec:decorative xmlns="" xmlns:adec="http://schemas.microsoft.com/office/drawing/2017/decorative" val="1"/>
               </a:ext>
             </a:extLst>
           </p:cNvPr>
@@ -32226,7 +32204,7 @@
                 <a16:creationId xmlns:a16="http://schemas.microsoft.com/office/drawing/2014/main" id="{3E48293B-B086-4048-863C-47E7C47880A1}"/>
               </a:ext>
               <a:ext uri="{C183D7F6-B498-43B3-948B-1728B52AA6E4}">
-                <adec:decorative xmlns:adec="http://schemas.microsoft.com/office/drawing/2017/decorative" xmlns="" val="1"/>
+                <adec:decorative xmlns="" xmlns:adec="http://schemas.microsoft.com/office/drawing/2017/decorative" val="1"/>
               </a:ext>
             </a:extLst>
           </p:cNvPr>
@@ -32330,7 +32308,7 @@
                 <a14:useLocalDpi xmlns:a14="http://schemas.microsoft.com/office/drawing/2010/main"/>
               </a:ext>
               <a:ext uri="{96DAC541-7B7A-43D3-8B79-37D633B846F1}">
-                <asvg:svgBlip xmlns:asvg="http://schemas.microsoft.com/office/drawing/2016/SVG/main" xmlns="" r:embed="rId7"/>
+                <asvg:svgBlip xmlns="" xmlns:asvg="http://schemas.microsoft.com/office/drawing/2016/SVG/main" r:embed="rId7"/>
               </a:ext>
             </a:extLst>
           </a:blip>
@@ -32356,7 +32334,7 @@
                 <a16:creationId xmlns:a16="http://schemas.microsoft.com/office/drawing/2014/main" id="{59D2C94E-1924-4389-B84A-2828D610B220}"/>
               </a:ext>
               <a:ext uri="{C183D7F6-B498-43B3-948B-1728B52AA6E4}">
-                <adec:decorative xmlns:adec="http://schemas.microsoft.com/office/drawing/2017/decorative" xmlns="" val="1"/>
+                <adec:decorative xmlns="" xmlns:adec="http://schemas.microsoft.com/office/drawing/2017/decorative" val="1"/>
               </a:ext>
             </a:extLst>
           </p:cNvPr>
@@ -32544,7 +32522,7 @@
                 <a14:useLocalDpi xmlns:a14="http://schemas.microsoft.com/office/drawing/2010/main"/>
               </a:ext>
               <a:ext uri="{96DAC541-7B7A-43D3-8B79-37D633B846F1}">
-                <asvg:svgBlip xmlns:asvg="http://schemas.microsoft.com/office/drawing/2016/SVG/main" xmlns="" r:embed="rId7"/>
+                <asvg:svgBlip xmlns="" xmlns:asvg="http://schemas.microsoft.com/office/drawing/2016/SVG/main" r:embed="rId7"/>
               </a:ext>
             </a:extLst>
           </a:blip>
@@ -33678,7 +33656,7 @@
                 <a16:creationId xmlns:a16="http://schemas.microsoft.com/office/drawing/2014/main" id="{2651CFC8-4C75-4552-B304-9F0895B0DDAD}"/>
               </a:ext>
               <a:ext uri="{C183D7F6-B498-43B3-948B-1728B52AA6E4}">
-                <adec:decorative xmlns:adec="http://schemas.microsoft.com/office/drawing/2017/decorative" xmlns="" val="1"/>
+                <adec:decorative xmlns="" xmlns:adec="http://schemas.microsoft.com/office/drawing/2017/decorative" val="1"/>
               </a:ext>
             </a:extLst>
           </p:cNvPr>
@@ -33802,7 +33780,7 @@
                 <a16:creationId xmlns:a16="http://schemas.microsoft.com/office/drawing/2014/main" id="{2651CFC8-4C75-4552-B304-9F0895B0DDAD}"/>
               </a:ext>
               <a:ext uri="{C183D7F6-B498-43B3-948B-1728B52AA6E4}">
-                <adec:decorative xmlns:adec="http://schemas.microsoft.com/office/drawing/2017/decorative" xmlns="" val="1"/>
+                <adec:decorative xmlns="" xmlns:adec="http://schemas.microsoft.com/office/drawing/2017/decorative" val="1"/>
               </a:ext>
             </a:extLst>
           </p:cNvPr>
@@ -33919,7 +33897,7 @@
                 <a16:creationId xmlns:a16="http://schemas.microsoft.com/office/drawing/2014/main" id="{2651CFC8-4C75-4552-B304-9F0895B0DDAD}"/>
               </a:ext>
               <a:ext uri="{C183D7F6-B498-43B3-948B-1728B52AA6E4}">
-                <adec:decorative xmlns:adec="http://schemas.microsoft.com/office/drawing/2017/decorative" xmlns="" val="1"/>
+                <adec:decorative xmlns="" xmlns:adec="http://schemas.microsoft.com/office/drawing/2017/decorative" val="1"/>
               </a:ext>
             </a:extLst>
           </p:cNvPr>
@@ -34090,7 +34068,7 @@
                 <a16:creationId xmlns:a16="http://schemas.microsoft.com/office/drawing/2014/main" id="{2651CFC8-4C75-4552-B304-9F0895B0DDAD}"/>
               </a:ext>
               <a:ext uri="{C183D7F6-B498-43B3-948B-1728B52AA6E4}">
-                <adec:decorative xmlns:adec="http://schemas.microsoft.com/office/drawing/2017/decorative" xmlns="" val="1"/>
+                <adec:decorative xmlns="" xmlns:adec="http://schemas.microsoft.com/office/drawing/2017/decorative" val="1"/>
               </a:ext>
             </a:extLst>
           </p:cNvPr>
@@ -34151,7 +34129,7 @@
                 <a16:creationId xmlns:a16="http://schemas.microsoft.com/office/drawing/2014/main" id="{2651CFC8-4C75-4552-B304-9F0895B0DDAD}"/>
               </a:ext>
               <a:ext uri="{C183D7F6-B498-43B3-948B-1728B52AA6E4}">
-                <adec:decorative xmlns:adec="http://schemas.microsoft.com/office/drawing/2017/decorative" xmlns="" val="1"/>
+                <adec:decorative xmlns="" xmlns:adec="http://schemas.microsoft.com/office/drawing/2017/decorative" val="1"/>
               </a:ext>
             </a:extLst>
           </p:cNvPr>
@@ -35535,7 +35513,7 @@
                 <a16:creationId xmlns:a16="http://schemas.microsoft.com/office/drawing/2014/main" id="{B5E8079C-614A-4548-BFAF-AC4A1BC8C9D5}"/>
               </a:ext>
               <a:ext uri="{C183D7F6-B498-43B3-948B-1728B52AA6E4}">
-                <adec:decorative xmlns:adec="http://schemas.microsoft.com/office/drawing/2017/decorative" xmlns="" val="1"/>
+                <adec:decorative xmlns="" xmlns:adec="http://schemas.microsoft.com/office/drawing/2017/decorative" val="1"/>
               </a:ext>
             </a:extLst>
           </p:cNvPr>
@@ -35653,7 +35631,7 @@
                 <a16:creationId xmlns:a16="http://schemas.microsoft.com/office/drawing/2014/main" id="{2651CFC8-4C75-4552-B304-9F0895B0DDAD}"/>
               </a:ext>
               <a:ext uri="{C183D7F6-B498-43B3-948B-1728B52AA6E4}">
-                <adec:decorative xmlns:adec="http://schemas.microsoft.com/office/drawing/2017/decorative" xmlns="" val="1"/>
+                <adec:decorative xmlns="" xmlns:adec="http://schemas.microsoft.com/office/drawing/2017/decorative" val="1"/>
               </a:ext>
             </a:extLst>
           </p:cNvPr>
@@ -36062,7 +36040,7 @@
                 <a14:useLocalDpi xmlns:a14="http://schemas.microsoft.com/office/drawing/2010/main"/>
               </a:ext>
               <a:ext uri="{96DAC541-7B7A-43D3-8B79-37D633B846F1}">
-                <asvg:svgBlip xmlns:asvg="http://schemas.microsoft.com/office/drawing/2016/SVG/main" xmlns="" r:embed="rId5"/>
+                <asvg:svgBlip xmlns="" xmlns:asvg="http://schemas.microsoft.com/office/drawing/2016/SVG/main" r:embed="rId5"/>
               </a:ext>
             </a:extLst>
           </a:blip>
@@ -36101,7 +36079,7 @@
                 <a14:useLocalDpi xmlns:a14="http://schemas.microsoft.com/office/drawing/2010/main"/>
               </a:ext>
               <a:ext uri="{96DAC541-7B7A-43D3-8B79-37D633B846F1}">
-                <asvg:svgBlip xmlns:asvg="http://schemas.microsoft.com/office/drawing/2016/SVG/main" xmlns="" r:embed="rId7"/>
+                <asvg:svgBlip xmlns="" xmlns:asvg="http://schemas.microsoft.com/office/drawing/2016/SVG/main" r:embed="rId7"/>
               </a:ext>
             </a:extLst>
           </a:blip>
@@ -37585,7 +37563,7 @@
                 <a16:creationId xmlns:a16="http://schemas.microsoft.com/office/drawing/2014/main" id="{2651CFC8-4C75-4552-B304-9F0895B0DDAD}"/>
               </a:ext>
               <a:ext uri="{C183D7F6-B498-43B3-948B-1728B52AA6E4}">
-                <adec:decorative xmlns:adec="http://schemas.microsoft.com/office/drawing/2017/decorative" xmlns="" val="1"/>
+                <adec:decorative xmlns="" xmlns:adec="http://schemas.microsoft.com/office/drawing/2017/decorative" val="1"/>
               </a:ext>
             </a:extLst>
           </p:cNvPr>
@@ -37884,7 +37862,7 @@
                 <a14:useLocalDpi xmlns:a14="http://schemas.microsoft.com/office/drawing/2010/main"/>
               </a:ext>
               <a:ext uri="{96DAC541-7B7A-43D3-8B79-37D633B846F1}">
-                <asvg:svgBlip xmlns:asvg="http://schemas.microsoft.com/office/drawing/2016/SVG/main" xmlns="" r:embed="rId5"/>
+                <asvg:svgBlip xmlns="" xmlns:asvg="http://schemas.microsoft.com/office/drawing/2016/SVG/main" r:embed="rId5"/>
               </a:ext>
             </a:extLst>
           </a:blip>
@@ -38201,7 +38179,7 @@
                 <a16:creationId xmlns:a16="http://schemas.microsoft.com/office/drawing/2014/main" id="{8C60CF3E-F7CF-4588-94B7-06B17195A378}"/>
               </a:ext>
               <a:ext uri="{C183D7F6-B498-43B3-948B-1728B52AA6E4}">
-                <adec:decorative xmlns:adec="http://schemas.microsoft.com/office/drawing/2017/decorative" xmlns="" val="1"/>
+                <adec:decorative xmlns="" xmlns:adec="http://schemas.microsoft.com/office/drawing/2017/decorative" val="1"/>
               </a:ext>
             </a:extLst>
           </p:cNvPr>
@@ -38457,7 +38435,7 @@
                 <a14:useLocalDpi xmlns:a14="http://schemas.microsoft.com/office/drawing/2010/main"/>
               </a:ext>
               <a:ext uri="{96DAC541-7B7A-43D3-8B79-37D633B846F1}">
-                <asvg:svgBlip xmlns:asvg="http://schemas.microsoft.com/office/drawing/2016/SVG/main" xmlns="" r:embed="rId11"/>
+                <asvg:svgBlip xmlns="" xmlns:asvg="http://schemas.microsoft.com/office/drawing/2016/SVG/main" r:embed="rId11"/>
               </a:ext>
             </a:extLst>
           </a:blip>
@@ -40192,7 +40170,7 @@
                 <a16:creationId xmlns:a16="http://schemas.microsoft.com/office/drawing/2014/main" id="{B5E8079C-614A-4548-BFAF-AC4A1BC8C9D5}"/>
               </a:ext>
               <a:ext uri="{C183D7F6-B498-43B3-948B-1728B52AA6E4}">
-                <adec:decorative xmlns:adec="http://schemas.microsoft.com/office/drawing/2017/decorative" xmlns="" val="1"/>
+                <adec:decorative xmlns="" xmlns:adec="http://schemas.microsoft.com/office/drawing/2017/decorative" val="1"/>
               </a:ext>
             </a:extLst>
           </p:cNvPr>
@@ -40292,7 +40270,7 @@
                 <a16:creationId xmlns:a16="http://schemas.microsoft.com/office/drawing/2014/main" id="{2651CFC8-4C75-4552-B304-9F0895B0DDAD}"/>
               </a:ext>
               <a:ext uri="{C183D7F6-B498-43B3-948B-1728B52AA6E4}">
-                <adec:decorative xmlns:adec="http://schemas.microsoft.com/office/drawing/2017/decorative" xmlns="" val="1"/>
+                <adec:decorative xmlns="" xmlns:adec="http://schemas.microsoft.com/office/drawing/2017/decorative" val="1"/>
               </a:ext>
             </a:extLst>
           </p:cNvPr>
@@ -40701,7 +40679,7 @@
                 <a14:useLocalDpi xmlns:a14="http://schemas.microsoft.com/office/drawing/2010/main"/>
               </a:ext>
               <a:ext uri="{96DAC541-7B7A-43D3-8B79-37D633B846F1}">
-                <asvg:svgBlip xmlns:asvg="http://schemas.microsoft.com/office/drawing/2016/SVG/main" xmlns="" r:embed="rId4"/>
+                <asvg:svgBlip xmlns="" xmlns:asvg="http://schemas.microsoft.com/office/drawing/2016/SVG/main" r:embed="rId4"/>
               </a:ext>
             </a:extLst>
           </a:blip>
@@ -40740,7 +40718,7 @@
                 <a14:useLocalDpi xmlns:a14="http://schemas.microsoft.com/office/drawing/2010/main"/>
               </a:ext>
               <a:ext uri="{96DAC541-7B7A-43D3-8B79-37D633B846F1}">
-                <asvg:svgBlip xmlns:asvg="http://schemas.microsoft.com/office/drawing/2016/SVG/main" xmlns="" r:embed="rId6"/>
+                <asvg:svgBlip xmlns="" xmlns:asvg="http://schemas.microsoft.com/office/drawing/2016/SVG/main" r:embed="rId6"/>
               </a:ext>
             </a:extLst>
           </a:blip>
@@ -44018,23 +43996,6 @@
 </file>
 
 <file path=customXml/item1.xml><?xml version="1.0" encoding="utf-8"?>
-<p:properties xmlns:p="http://schemas.microsoft.com/office/2006/metadata/properties" xmlns:xsi="http://www.w3.org/2001/XMLSchema-instance" xmlns:pc="http://schemas.microsoft.com/office/infopath/2007/PartnerControls">
-  <documentManagement>
-    <MediaServiceKeyPoints xmlns="71af3243-3dd4-4a8d-8c0d-dd76da1f02a5" xsi:nil="true"/>
-  </documentManagement>
-</p:properties>
-</file>
-
-<file path=customXml/item2.xml><?xml version="1.0" encoding="utf-8"?>
-<?mso-contentType ?>
-<FormTemplates xmlns="http://schemas.microsoft.com/sharepoint/v3/contenttype/forms">
-  <Display>DocumentLibraryForm</Display>
-  <Edit>DocumentLibraryForm</Edit>
-  <New>DocumentLibraryForm</New>
-</FormTemplates>
-</file>
-
-<file path=customXml/item3.xml><?xml version="1.0" encoding="utf-8"?>
 <ct:contentTypeSchema xmlns:ct="http://schemas.microsoft.com/office/2006/metadata/contentType" xmlns:ma="http://schemas.microsoft.com/office/2006/metadata/properties/metaAttributes" ct:_="" ma:_="" ma:contentTypeName="Document" ma:contentTypeID="0x01010079F111ED35F8CC479449609E8A0923A6" ma:contentTypeVersion="11" ma:contentTypeDescription="Create a new document." ma:contentTypeScope="" ma:versionID="9677210f24a1be23c92c90fd886aa0aa">
   <xsd:schema xmlns:xsd="http://www.w3.org/2001/XMLSchema" xmlns:xs="http://www.w3.org/2001/XMLSchema" xmlns:p="http://schemas.microsoft.com/office/2006/metadata/properties" xmlns:ns2="71af3243-3dd4-4a8d-8c0d-dd76da1f02a5" xmlns:ns3="16c05727-aa75-4e4a-9b5f-8a80a1165891" targetNamespace="http://schemas.microsoft.com/office/2006/metadata/properties" ma:root="true" ma:fieldsID="60e05723c5c1908df1a1a4ebf11d344e" ns2:_="" ns3:_="">
     <xsd:import namespace="71af3243-3dd4-4a8d-8c0d-dd76da1f02a5"/>
@@ -44245,32 +44206,24 @@
 </ct:contentTypeSchema>
 </file>
 
-<file path=customXml/itemProps1.xml><?xml version="1.0" encoding="utf-8"?>
-<ds:datastoreItem xmlns:ds="http://schemas.openxmlformats.org/officeDocument/2006/customXml" ds:itemID="{C9C0BFDF-D948-4F4A-854E-477525F57792}">
-  <ds:schemaRefs>
-    <ds:schemaRef ds:uri="16c05727-aa75-4e4a-9b5f-8a80a1165891"/>
-    <ds:schemaRef ds:uri="http://www.w3.org/XML/1998/namespace"/>
-    <ds:schemaRef ds:uri="http://schemas.microsoft.com/office/infopath/2007/PartnerControls"/>
-    <ds:schemaRef ds:uri="http://purl.org/dc/dcmitype/"/>
-    <ds:schemaRef ds:uri="http://purl.org/dc/terms/"/>
-    <ds:schemaRef ds:uri="http://purl.org/dc/elements/1.1/"/>
-    <ds:schemaRef ds:uri="71af3243-3dd4-4a8d-8c0d-dd76da1f02a5"/>
-    <ds:schemaRef ds:uri="http://schemas.microsoft.com/office/2006/metadata/properties"/>
-    <ds:schemaRef ds:uri="http://schemas.microsoft.com/office/2006/documentManagement/types"/>
-    <ds:schemaRef ds:uri="http://schemas.openxmlformats.org/package/2006/metadata/core-properties"/>
-  </ds:schemaRefs>
-</ds:datastoreItem>
+<file path=customXml/item2.xml><?xml version="1.0" encoding="utf-8"?>
+<?mso-contentType ?>
+<FormTemplates xmlns="http://schemas.microsoft.com/sharepoint/v3/contenttype/forms">
+  <Display>DocumentLibraryForm</Display>
+  <Edit>DocumentLibraryForm</Edit>
+  <New>DocumentLibraryForm</New>
+</FormTemplates>
 </file>
 
-<file path=customXml/itemProps2.xml><?xml version="1.0" encoding="utf-8"?>
-<ds:datastoreItem xmlns:ds="http://schemas.openxmlformats.org/officeDocument/2006/customXml" ds:itemID="{56E3E58C-5E8A-4781-9921-C2B23BC09EB2}">
-  <ds:schemaRefs>
-    <ds:schemaRef ds:uri="http://schemas.microsoft.com/sharepoint/v3/contenttype/forms"/>
-  </ds:schemaRefs>
-</ds:datastoreItem>
+<file path=customXml/item3.xml><?xml version="1.0" encoding="utf-8"?>
+<p:properties xmlns:p="http://schemas.microsoft.com/office/2006/metadata/properties" xmlns:xsi="http://www.w3.org/2001/XMLSchema-instance" xmlns:pc="http://schemas.microsoft.com/office/infopath/2007/PartnerControls">
+  <documentManagement>
+    <MediaServiceKeyPoints xmlns="71af3243-3dd4-4a8d-8c0d-dd76da1f02a5" xsi:nil="true"/>
+  </documentManagement>
+</p:properties>
 </file>
 
-<file path=customXml/itemProps3.xml><?xml version="1.0" encoding="utf-8"?>
+<file path=customXml/itemProps1.xml><?xml version="1.0" encoding="utf-8"?>
 <ds:datastoreItem xmlns:ds="http://schemas.openxmlformats.org/officeDocument/2006/customXml" ds:itemID="{513094F6-5ADD-4195-AF81-00AF033C96A1}">
   <ds:schemaRefs>
     <ds:schemaRef ds:uri="http://schemas.microsoft.com/office/2006/metadata/contentType"/>
@@ -44287,4 +44240,29 @@
     <ds:schemaRef ds:uri="http://schemas.microsoft.com/internal/obd"/>
   </ds:schemaRefs>
 </ds:datastoreItem>
+</file>
+
+<file path=customXml/itemProps2.xml><?xml version="1.0" encoding="utf-8"?>
+<ds:datastoreItem xmlns:ds="http://schemas.openxmlformats.org/officeDocument/2006/customXml" ds:itemID="{56E3E58C-5E8A-4781-9921-C2B23BC09EB2}">
+  <ds:schemaRefs>
+    <ds:schemaRef ds:uri="http://schemas.microsoft.com/sharepoint/v3/contenttype/forms"/>
+  </ds:schemaRefs>
+</ds:datastoreItem>
+</file>
+
+<file path=customXml/itemProps3.xml><?xml version="1.0" encoding="utf-8"?>
+<ds:datastoreItem xmlns:ds="http://schemas.openxmlformats.org/officeDocument/2006/customXml" ds:itemID="{C9C0BFDF-D948-4F4A-854E-477525F57792}">
+  <ds:schemaRefs>
+    <ds:schemaRef ds:uri="16c05727-aa75-4e4a-9b5f-8a80a1165891"/>
+    <ds:schemaRef ds:uri="http://www.w3.org/XML/1998/namespace"/>
+    <ds:schemaRef ds:uri="http://schemas.microsoft.com/office/infopath/2007/PartnerControls"/>
+    <ds:schemaRef ds:uri="http://purl.org/dc/dcmitype/"/>
+    <ds:schemaRef ds:uri="http://purl.org/dc/terms/"/>
+    <ds:schemaRef ds:uri="http://purl.org/dc/elements/1.1/"/>
+    <ds:schemaRef ds:uri="71af3243-3dd4-4a8d-8c0d-dd76da1f02a5"/>
+    <ds:schemaRef ds:uri="http://schemas.microsoft.com/office/2006/metadata/properties"/>
+    <ds:schemaRef ds:uri="http://schemas.microsoft.com/office/2006/documentManagement/types"/>
+    <ds:schemaRef ds:uri="http://schemas.openxmlformats.org/package/2006/metadata/core-properties"/>
+  </ds:schemaRefs>
+</ds:datastoreItem>
 </file>